--- a/src/doc/TimeRec.pptx
+++ b/src/doc/TimeRec.pptx
@@ -244,7 +244,7 @@
           <a:p>
             <a:fld id="{369B22A5-30E4-45FA-9C35-0A53E2812B5C}" type="datetimeFigureOut">
               <a:rPr lang="ru-RU" smtClean="0"/>
-              <a:t>24.05.2020</a:t>
+              <a:t>25.05.2020</a:t>
             </a:fld>
             <a:endParaRPr lang="ru-RU"/>
           </a:p>
@@ -414,7 +414,7 @@
           <a:p>
             <a:fld id="{369B22A5-30E4-45FA-9C35-0A53E2812B5C}" type="datetimeFigureOut">
               <a:rPr lang="ru-RU" smtClean="0"/>
-              <a:t>24.05.2020</a:t>
+              <a:t>25.05.2020</a:t>
             </a:fld>
             <a:endParaRPr lang="ru-RU"/>
           </a:p>
@@ -594,7 +594,7 @@
           <a:p>
             <a:fld id="{369B22A5-30E4-45FA-9C35-0A53E2812B5C}" type="datetimeFigureOut">
               <a:rPr lang="ru-RU" smtClean="0"/>
-              <a:t>24.05.2020</a:t>
+              <a:t>25.05.2020</a:t>
             </a:fld>
             <a:endParaRPr lang="ru-RU"/>
           </a:p>
@@ -764,7 +764,7 @@
           <a:p>
             <a:fld id="{369B22A5-30E4-45FA-9C35-0A53E2812B5C}" type="datetimeFigureOut">
               <a:rPr lang="ru-RU" smtClean="0"/>
-              <a:t>24.05.2020</a:t>
+              <a:t>25.05.2020</a:t>
             </a:fld>
             <a:endParaRPr lang="ru-RU"/>
           </a:p>
@@ -1010,7 +1010,7 @@
           <a:p>
             <a:fld id="{369B22A5-30E4-45FA-9C35-0A53E2812B5C}" type="datetimeFigureOut">
               <a:rPr lang="ru-RU" smtClean="0"/>
-              <a:t>24.05.2020</a:t>
+              <a:t>25.05.2020</a:t>
             </a:fld>
             <a:endParaRPr lang="ru-RU"/>
           </a:p>
@@ -1242,7 +1242,7 @@
           <a:p>
             <a:fld id="{369B22A5-30E4-45FA-9C35-0A53E2812B5C}" type="datetimeFigureOut">
               <a:rPr lang="ru-RU" smtClean="0"/>
-              <a:t>24.05.2020</a:t>
+              <a:t>25.05.2020</a:t>
             </a:fld>
             <a:endParaRPr lang="ru-RU"/>
           </a:p>
@@ -1609,7 +1609,7 @@
           <a:p>
             <a:fld id="{369B22A5-30E4-45FA-9C35-0A53E2812B5C}" type="datetimeFigureOut">
               <a:rPr lang="ru-RU" smtClean="0"/>
-              <a:t>24.05.2020</a:t>
+              <a:t>25.05.2020</a:t>
             </a:fld>
             <a:endParaRPr lang="ru-RU"/>
           </a:p>
@@ -1727,7 +1727,7 @@
           <a:p>
             <a:fld id="{369B22A5-30E4-45FA-9C35-0A53E2812B5C}" type="datetimeFigureOut">
               <a:rPr lang="ru-RU" smtClean="0"/>
-              <a:t>24.05.2020</a:t>
+              <a:t>25.05.2020</a:t>
             </a:fld>
             <a:endParaRPr lang="ru-RU"/>
           </a:p>
@@ -1822,7 +1822,7 @@
           <a:p>
             <a:fld id="{369B22A5-30E4-45FA-9C35-0A53E2812B5C}" type="datetimeFigureOut">
               <a:rPr lang="ru-RU" smtClean="0"/>
-              <a:t>24.05.2020</a:t>
+              <a:t>25.05.2020</a:t>
             </a:fld>
             <a:endParaRPr lang="ru-RU"/>
           </a:p>
@@ -2099,7 +2099,7 @@
           <a:p>
             <a:fld id="{369B22A5-30E4-45FA-9C35-0A53E2812B5C}" type="datetimeFigureOut">
               <a:rPr lang="ru-RU" smtClean="0"/>
-              <a:t>24.05.2020</a:t>
+              <a:t>25.05.2020</a:t>
             </a:fld>
             <a:endParaRPr lang="ru-RU"/>
           </a:p>
@@ -2352,7 +2352,7 @@
           <a:p>
             <a:fld id="{369B22A5-30E4-45FA-9C35-0A53E2812B5C}" type="datetimeFigureOut">
               <a:rPr lang="ru-RU" smtClean="0"/>
-              <a:t>24.05.2020</a:t>
+              <a:t>25.05.2020</a:t>
             </a:fld>
             <a:endParaRPr lang="ru-RU"/>
           </a:p>
@@ -2565,7 +2565,7 @@
           <a:p>
             <a:fld id="{369B22A5-30E4-45FA-9C35-0A53E2812B5C}" type="datetimeFigureOut">
               <a:rPr lang="ru-RU" smtClean="0"/>
-              <a:t>24.05.2020</a:t>
+              <a:t>25.05.2020</a:t>
             </a:fld>
             <a:endParaRPr lang="ru-RU"/>
           </a:p>
@@ -3092,14 +3092,14 @@
           <p:nvPr>
             <p:extLst>
               <p:ext uri="{D42A27DB-BD31-4B8C-83A1-F6EECF244321}">
-                <p14:modId xmlns:p14="http://schemas.microsoft.com/office/powerpoint/2010/main" val="1837462636"/>
+                <p14:modId xmlns:p14="http://schemas.microsoft.com/office/powerpoint/2010/main" val="606020621"/>
               </p:ext>
             </p:extLst>
           </p:nvPr>
         </p:nvGraphicFramePr>
         <p:xfrm>
           <a:off x="376465" y="1100305"/>
-          <a:ext cx="1778000" cy="1706880"/>
+          <a:ext cx="1778000" cy="1950720"/>
         </p:xfrm>
         <a:graphic>
           <a:graphicData uri="http://schemas.openxmlformats.org/drawingml/2006/table">
@@ -3364,6 +3364,41 @@
                   </a:ext>
                 </a:extLst>
               </a:tr>
+              <a:tr h="187854">
+                <a:tc>
+                  <a:txBody>
+                    <a:bodyPr/>
+                    <a:lstStyle/>
+                    <a:p>
+                      <a:r>
+                        <a:rPr lang="en-US" sz="1000" dirty="0" err="1" smtClean="0"/>
+                        <a:t>Owner_id</a:t>
+                      </a:r>
+                      <a:endParaRPr lang="ru-RU" sz="1000" dirty="0"/>
+                    </a:p>
+                  </a:txBody>
+                  <a:tcPr/>
+                </a:tc>
+                <a:tc>
+                  <a:txBody>
+                    <a:bodyPr/>
+                    <a:lstStyle/>
+                    <a:p>
+                      <a:r>
+                        <a:rPr lang="en-US" sz="1000" dirty="0" smtClean="0"/>
+                        <a:t>Integer</a:t>
+                      </a:r>
+                      <a:endParaRPr lang="ru-RU" sz="1000" dirty="0"/>
+                    </a:p>
+                  </a:txBody>
+                  <a:tcPr/>
+                </a:tc>
+                <a:extLst>
+                  <a:ext uri="{0D108BD9-81ED-4DB2-BD59-A6C34878D82A}">
+                    <a16:rowId xmlns:a16="http://schemas.microsoft.com/office/drawing/2014/main" val="3765326346"/>
+                  </a:ext>
+                </a:extLst>
+              </a:tr>
             </a:tbl>
           </a:graphicData>
         </a:graphic>
@@ -3377,14 +3412,14 @@
           <p:nvPr>
             <p:extLst>
               <p:ext uri="{D42A27DB-BD31-4B8C-83A1-F6EECF244321}">
-                <p14:modId xmlns:p14="http://schemas.microsoft.com/office/powerpoint/2010/main" val="688772556"/>
+                <p14:modId xmlns:p14="http://schemas.microsoft.com/office/powerpoint/2010/main" val="3156261182"/>
               </p:ext>
             </p:extLst>
           </p:nvPr>
         </p:nvGraphicFramePr>
         <p:xfrm>
-          <a:off x="7621813" y="4839190"/>
-          <a:ext cx="1891393" cy="1706880"/>
+          <a:off x="3694112" y="4595350"/>
+          <a:ext cx="1891393" cy="1950720"/>
         </p:xfrm>
         <a:graphic>
           <a:graphicData uri="http://schemas.openxmlformats.org/drawingml/2006/table">
@@ -3649,6 +3684,41 @@
                   </a:ext>
                 </a:extLst>
               </a:tr>
+              <a:tr h="169990">
+                <a:tc>
+                  <a:txBody>
+                    <a:bodyPr/>
+                    <a:lstStyle/>
+                    <a:p>
+                      <a:r>
+                        <a:rPr lang="en-US" sz="1000" dirty="0" err="1" smtClean="0"/>
+                        <a:t>Owner_id</a:t>
+                      </a:r>
+                      <a:endParaRPr lang="ru-RU" sz="1000" dirty="0"/>
+                    </a:p>
+                  </a:txBody>
+                  <a:tcPr/>
+                </a:tc>
+                <a:tc>
+                  <a:txBody>
+                    <a:bodyPr/>
+                    <a:lstStyle/>
+                    <a:p>
+                      <a:r>
+                        <a:rPr lang="en-US" sz="1000" dirty="0" smtClean="0"/>
+                        <a:t>Integer</a:t>
+                      </a:r>
+                      <a:endParaRPr lang="ru-RU" sz="1000" dirty="0"/>
+                    </a:p>
+                  </a:txBody>
+                  <a:tcPr/>
+                </a:tc>
+                <a:extLst>
+                  <a:ext uri="{0D108BD9-81ED-4DB2-BD59-A6C34878D82A}">
+                    <a16:rowId xmlns:a16="http://schemas.microsoft.com/office/drawing/2014/main" val="2133081033"/>
+                  </a:ext>
+                </a:extLst>
+              </a:tr>
             </a:tbl>
           </a:graphicData>
         </a:graphic>
@@ -3662,14 +3732,14 @@
           <p:nvPr>
             <p:extLst>
               <p:ext uri="{D42A27DB-BD31-4B8C-83A1-F6EECF244321}">
-                <p14:modId xmlns:p14="http://schemas.microsoft.com/office/powerpoint/2010/main" val="493258363"/>
+                <p14:modId xmlns:p14="http://schemas.microsoft.com/office/powerpoint/2010/main" val="2646674885"/>
               </p:ext>
             </p:extLst>
           </p:nvPr>
         </p:nvGraphicFramePr>
         <p:xfrm>
-          <a:off x="3214005" y="1100305"/>
-          <a:ext cx="1451430" cy="2194560"/>
+          <a:off x="2513692" y="1098860"/>
+          <a:ext cx="1451430" cy="2438400"/>
         </p:xfrm>
         <a:graphic>
           <a:graphicData uri="http://schemas.openxmlformats.org/drawingml/2006/table">
@@ -4021,6 +4091,41 @@
                   </a:ext>
                 </a:extLst>
               </a:tr>
+              <a:tr h="161256">
+                <a:tc>
+                  <a:txBody>
+                    <a:bodyPr/>
+                    <a:lstStyle/>
+                    <a:p>
+                      <a:r>
+                        <a:rPr lang="en-US" sz="1000" dirty="0" err="1" smtClean="0"/>
+                        <a:t>Owner_id</a:t>
+                      </a:r>
+                      <a:endParaRPr lang="ru-RU" sz="1000" dirty="0"/>
+                    </a:p>
+                  </a:txBody>
+                  <a:tcPr/>
+                </a:tc>
+                <a:tc>
+                  <a:txBody>
+                    <a:bodyPr/>
+                    <a:lstStyle/>
+                    <a:p>
+                      <a:r>
+                        <a:rPr lang="en-US" sz="1000" dirty="0" smtClean="0"/>
+                        <a:t>Integer</a:t>
+                      </a:r>
+                      <a:endParaRPr lang="ru-RU" sz="1000" dirty="0"/>
+                    </a:p>
+                  </a:txBody>
+                  <a:tcPr/>
+                </a:tc>
+                <a:extLst>
+                  <a:ext uri="{0D108BD9-81ED-4DB2-BD59-A6C34878D82A}">
+                    <a16:rowId xmlns:a16="http://schemas.microsoft.com/office/drawing/2014/main" val="2834970157"/>
+                  </a:ext>
+                </a:extLst>
+              </a:tr>
             </a:tbl>
           </a:graphicData>
         </a:graphic>
@@ -4034,14 +4139,14 @@
           <p:nvPr>
             <p:extLst>
               <p:ext uri="{D42A27DB-BD31-4B8C-83A1-F6EECF244321}">
-                <p14:modId xmlns:p14="http://schemas.microsoft.com/office/powerpoint/2010/main" val="1413609898"/>
+                <p14:modId xmlns:p14="http://schemas.microsoft.com/office/powerpoint/2010/main" val="1550397340"/>
               </p:ext>
             </p:extLst>
           </p:nvPr>
         </p:nvGraphicFramePr>
         <p:xfrm>
-          <a:off x="5010148" y="1100305"/>
-          <a:ext cx="1919516" cy="1950720"/>
+          <a:off x="4324349" y="1098860"/>
+          <a:ext cx="1919516" cy="2194560"/>
         </p:xfrm>
         <a:graphic>
           <a:graphicData uri="http://schemas.openxmlformats.org/drawingml/2006/table">
@@ -4358,6 +4463,41 @@
                   </a:ext>
                 </a:extLst>
               </a:tr>
+              <a:tr h="219725">
+                <a:tc>
+                  <a:txBody>
+                    <a:bodyPr/>
+                    <a:lstStyle/>
+                    <a:p>
+                      <a:r>
+                        <a:rPr lang="en-US" sz="1000" dirty="0" err="1" smtClean="0"/>
+                        <a:t>Owner_id</a:t>
+                      </a:r>
+                      <a:endParaRPr lang="ru-RU" sz="1000" dirty="0"/>
+                    </a:p>
+                  </a:txBody>
+                  <a:tcPr/>
+                </a:tc>
+                <a:tc>
+                  <a:txBody>
+                    <a:bodyPr/>
+                    <a:lstStyle/>
+                    <a:p>
+                      <a:r>
+                        <a:rPr lang="en-US" sz="1000" dirty="0" smtClean="0"/>
+                        <a:t>Integer</a:t>
+                      </a:r>
+                      <a:endParaRPr lang="ru-RU" sz="1000" dirty="0"/>
+                    </a:p>
+                  </a:txBody>
+                  <a:tcPr/>
+                </a:tc>
+                <a:extLst>
+                  <a:ext uri="{0D108BD9-81ED-4DB2-BD59-A6C34878D82A}">
+                    <a16:rowId xmlns:a16="http://schemas.microsoft.com/office/drawing/2014/main" val="3748166348"/>
+                  </a:ext>
+                </a:extLst>
+              </a:tr>
             </a:tbl>
           </a:graphicData>
         </a:graphic>
@@ -4371,14 +4511,14 @@
           <p:nvPr>
             <p:extLst>
               <p:ext uri="{D42A27DB-BD31-4B8C-83A1-F6EECF244321}">
-                <p14:modId xmlns:p14="http://schemas.microsoft.com/office/powerpoint/2010/main" val="1161531286"/>
+                <p14:modId xmlns:p14="http://schemas.microsoft.com/office/powerpoint/2010/main" val="2050877668"/>
               </p:ext>
             </p:extLst>
           </p:nvPr>
         </p:nvGraphicFramePr>
         <p:xfrm>
-          <a:off x="361950" y="3051025"/>
-          <a:ext cx="1807029" cy="1706880"/>
+          <a:off x="361950" y="3435897"/>
+          <a:ext cx="1807029" cy="1950720"/>
         </p:xfrm>
         <a:graphic>
           <a:graphicData uri="http://schemas.openxmlformats.org/drawingml/2006/table">
@@ -4643,6 +4783,41 @@
                   </a:ext>
                 </a:extLst>
               </a:tr>
+              <a:tr h="188858">
+                <a:tc>
+                  <a:txBody>
+                    <a:bodyPr/>
+                    <a:lstStyle/>
+                    <a:p>
+                      <a:r>
+                        <a:rPr lang="en-US" sz="1000" dirty="0" err="1" smtClean="0"/>
+                        <a:t>Owner_id</a:t>
+                      </a:r>
+                      <a:endParaRPr lang="ru-RU" sz="1000" dirty="0"/>
+                    </a:p>
+                  </a:txBody>
+                  <a:tcPr/>
+                </a:tc>
+                <a:tc>
+                  <a:txBody>
+                    <a:bodyPr/>
+                    <a:lstStyle/>
+                    <a:p>
+                      <a:r>
+                        <a:rPr lang="en-US" sz="1000" dirty="0" smtClean="0"/>
+                        <a:t>Integer</a:t>
+                      </a:r>
+                      <a:endParaRPr lang="ru-RU" sz="1000" dirty="0"/>
+                    </a:p>
+                  </a:txBody>
+                  <a:tcPr/>
+                </a:tc>
+                <a:extLst>
+                  <a:ext uri="{0D108BD9-81ED-4DB2-BD59-A6C34878D82A}">
+                    <a16:rowId xmlns:a16="http://schemas.microsoft.com/office/drawing/2014/main" val="2026260328"/>
+                  </a:ext>
+                </a:extLst>
+              </a:tr>
             </a:tbl>
           </a:graphicData>
         </a:graphic>
@@ -4656,13 +4831,13 @@
           <p:nvPr>
             <p:extLst>
               <p:ext uri="{D42A27DB-BD31-4B8C-83A1-F6EECF244321}">
-                <p14:modId xmlns:p14="http://schemas.microsoft.com/office/powerpoint/2010/main" val="3451670428"/>
+                <p14:modId xmlns:p14="http://schemas.microsoft.com/office/powerpoint/2010/main" val="3143614958"/>
               </p:ext>
             </p:extLst>
           </p:nvPr>
         </p:nvGraphicFramePr>
         <p:xfrm>
-          <a:off x="7274377" y="1100305"/>
+          <a:off x="6603092" y="1098860"/>
           <a:ext cx="1891394" cy="1706880"/>
         </p:xfrm>
         <a:graphic>
@@ -4958,14 +5133,14 @@
           <p:nvPr>
             <p:extLst>
               <p:ext uri="{D42A27DB-BD31-4B8C-83A1-F6EECF244321}">
-                <p14:modId xmlns:p14="http://schemas.microsoft.com/office/powerpoint/2010/main" val="584950377"/>
+                <p14:modId xmlns:p14="http://schemas.microsoft.com/office/powerpoint/2010/main" val="3836090305"/>
               </p:ext>
             </p:extLst>
           </p:nvPr>
         </p:nvGraphicFramePr>
         <p:xfrm>
-          <a:off x="9940016" y="4839190"/>
-          <a:ext cx="1891394" cy="1706880"/>
+          <a:off x="5792559" y="4351510"/>
+          <a:ext cx="1891394" cy="2194560"/>
         </p:xfrm>
         <a:graphic>
           <a:graphicData uri="http://schemas.openxmlformats.org/drawingml/2006/table">
@@ -5062,6 +5237,41 @@
                     <a:lstStyle/>
                     <a:p>
                       <a:r>
+                        <a:rPr lang="en-US" sz="1000" dirty="0" err="1" smtClean="0"/>
+                        <a:t>Role_ID</a:t>
+                      </a:r>
+                      <a:endParaRPr lang="ru-RU" sz="1000" dirty="0"/>
+                    </a:p>
+                  </a:txBody>
+                  <a:tcPr/>
+                </a:tc>
+                <a:tc>
+                  <a:txBody>
+                    <a:bodyPr/>
+                    <a:lstStyle/>
+                    <a:p>
+                      <a:r>
+                        <a:rPr lang="en-US" sz="1000" dirty="0" smtClean="0"/>
+                        <a:t>Integer</a:t>
+                      </a:r>
+                      <a:endParaRPr lang="ru-RU" sz="1000" dirty="0"/>
+                    </a:p>
+                  </a:txBody>
+                  <a:tcPr/>
+                </a:tc>
+                <a:extLst>
+                  <a:ext uri="{0D108BD9-81ED-4DB2-BD59-A6C34878D82A}">
+                    <a16:rowId xmlns:a16="http://schemas.microsoft.com/office/drawing/2014/main" val="1091595685"/>
+                  </a:ext>
+                </a:extLst>
+              </a:tr>
+              <a:tr h="190943">
+                <a:tc>
+                  <a:txBody>
+                    <a:bodyPr/>
+                    <a:lstStyle/>
+                    <a:p>
+                      <a:r>
                         <a:rPr lang="en-US" sz="1000" dirty="0" smtClean="0"/>
                         <a:t>Name</a:t>
                       </a:r>
@@ -5086,7 +5296,7 @@
                 </a:tc>
                 <a:extLst>
                   <a:ext uri="{0D108BD9-81ED-4DB2-BD59-A6C34878D82A}">
-                    <a16:rowId xmlns:a16="http://schemas.microsoft.com/office/drawing/2014/main" val="1091595685"/>
+                    <a16:rowId xmlns:a16="http://schemas.microsoft.com/office/drawing/2014/main" val="137951564"/>
                   </a:ext>
                 </a:extLst>
               </a:tr>
@@ -5121,7 +5331,7 @@
                 </a:tc>
                 <a:extLst>
                   <a:ext uri="{0D108BD9-81ED-4DB2-BD59-A6C34878D82A}">
-                    <a16:rowId xmlns:a16="http://schemas.microsoft.com/office/drawing/2014/main" val="137951564"/>
+                    <a16:rowId xmlns:a16="http://schemas.microsoft.com/office/drawing/2014/main" val="3332458282"/>
                   </a:ext>
                 </a:extLst>
               </a:tr>
@@ -5173,7 +5383,7 @@
                 </a:tc>
                 <a:extLst>
                   <a:ext uri="{0D108BD9-81ED-4DB2-BD59-A6C34878D82A}">
-                    <a16:rowId xmlns:a16="http://schemas.microsoft.com/office/drawing/2014/main" val="3332458282"/>
+                    <a16:rowId xmlns:a16="http://schemas.microsoft.com/office/drawing/2014/main" val="1088799177"/>
                   </a:ext>
                 </a:extLst>
               </a:tr>
@@ -5208,7 +5418,7 @@
                 </a:tc>
                 <a:extLst>
                   <a:ext uri="{0D108BD9-81ED-4DB2-BD59-A6C34878D82A}">
-                    <a16:rowId xmlns:a16="http://schemas.microsoft.com/office/drawing/2014/main" val="1088799177"/>
+                    <a16:rowId xmlns:a16="http://schemas.microsoft.com/office/drawing/2014/main" val="3178837907"/>
                   </a:ext>
                 </a:extLst>
               </a:tr>
@@ -5243,7 +5453,42 @@
                 </a:tc>
                 <a:extLst>
                   <a:ext uri="{0D108BD9-81ED-4DB2-BD59-A6C34878D82A}">
-                    <a16:rowId xmlns:a16="http://schemas.microsoft.com/office/drawing/2014/main" val="3178837907"/>
+                    <a16:rowId xmlns:a16="http://schemas.microsoft.com/office/drawing/2014/main" val="1697887508"/>
+                  </a:ext>
+                </a:extLst>
+              </a:tr>
+              <a:tr h="190943">
+                <a:tc>
+                  <a:txBody>
+                    <a:bodyPr/>
+                    <a:lstStyle/>
+                    <a:p>
+                      <a:r>
+                        <a:rPr lang="en-US" sz="1000" dirty="0" err="1" smtClean="0"/>
+                        <a:t>Owner_id</a:t>
+                      </a:r>
+                      <a:endParaRPr lang="ru-RU" sz="1000" dirty="0"/>
+                    </a:p>
+                  </a:txBody>
+                  <a:tcPr/>
+                </a:tc>
+                <a:tc>
+                  <a:txBody>
+                    <a:bodyPr/>
+                    <a:lstStyle/>
+                    <a:p>
+                      <a:r>
+                        <a:rPr lang="en-US" sz="1000" dirty="0" smtClean="0"/>
+                        <a:t>Integer</a:t>
+                      </a:r>
+                      <a:endParaRPr lang="ru-RU" sz="1000" dirty="0"/>
+                    </a:p>
+                  </a:txBody>
+                  <a:tcPr/>
+                </a:tc>
+                <a:extLst>
+                  <a:ext uri="{0D108BD9-81ED-4DB2-BD59-A6C34878D82A}">
+                    <a16:rowId xmlns:a16="http://schemas.microsoft.com/office/drawing/2014/main" val="1587884550"/>
                   </a:ext>
                 </a:extLst>
               </a:tr>
@@ -5260,13 +5505,13 @@
           <p:nvPr>
             <p:extLst>
               <p:ext uri="{D42A27DB-BD31-4B8C-83A1-F6EECF244321}">
-                <p14:modId xmlns:p14="http://schemas.microsoft.com/office/powerpoint/2010/main" val="240296733"/>
+                <p14:modId xmlns:p14="http://schemas.microsoft.com/office/powerpoint/2010/main" val="1303712291"/>
               </p:ext>
             </p:extLst>
           </p:nvPr>
         </p:nvGraphicFramePr>
         <p:xfrm>
-          <a:off x="9510484" y="1098860"/>
+          <a:off x="8853713" y="1098860"/>
           <a:ext cx="1891394" cy="975360"/>
         </p:xfrm>
         <a:graphic>
@@ -5441,6 +5686,680 @@
                 <a:extLst>
                   <a:ext uri="{0D108BD9-81ED-4DB2-BD59-A6C34878D82A}">
                     <a16:rowId xmlns:a16="http://schemas.microsoft.com/office/drawing/2014/main" val="2028602120"/>
+                  </a:ext>
+                </a:extLst>
+              </a:tr>
+            </a:tbl>
+          </a:graphicData>
+        </a:graphic>
+      </p:graphicFrame>
+      <p:graphicFrame>
+        <p:nvGraphicFramePr>
+          <p:cNvPr id="12" name="Table 11"/>
+          <p:cNvGraphicFramePr>
+            <a:graphicFrameLocks noGrp="1"/>
+          </p:cNvGraphicFramePr>
+          <p:nvPr>
+            <p:extLst>
+              <p:ext uri="{D42A27DB-BD31-4B8C-83A1-F6EECF244321}">
+                <p14:modId xmlns:p14="http://schemas.microsoft.com/office/powerpoint/2010/main" val="1656362910"/>
+              </p:ext>
+            </p:extLst>
+          </p:nvPr>
+        </p:nvGraphicFramePr>
+        <p:xfrm>
+          <a:off x="9989454" y="3619990"/>
+          <a:ext cx="1886860" cy="2926080"/>
+        </p:xfrm>
+        <a:graphic>
+          <a:graphicData uri="http://schemas.openxmlformats.org/drawingml/2006/table">
+            <a:tbl>
+              <a:tblPr firstRow="1" bandRow="1">
+                <a:tableStyleId>{5C22544A-7EE6-4342-B048-85BDC9FD1C3A}</a:tableStyleId>
+              </a:tblPr>
+              <a:tblGrid>
+                <a:gridCol w="961574">
+                  <a:extLst>
+                    <a:ext uri="{9D8B030D-6E8A-4147-A177-3AD203B41FA5}">
+                      <a16:colId xmlns:a16="http://schemas.microsoft.com/office/drawing/2014/main" val="1143156314"/>
+                    </a:ext>
+                  </a:extLst>
+                </a:gridCol>
+                <a:gridCol w="925286">
+                  <a:extLst>
+                    <a:ext uri="{9D8B030D-6E8A-4147-A177-3AD203B41FA5}">
+                      <a16:colId xmlns:a16="http://schemas.microsoft.com/office/drawing/2014/main" val="3559744233"/>
+                    </a:ext>
+                  </a:extLst>
+                </a:gridCol>
+              </a:tblGrid>
+              <a:tr h="213360">
+                <a:tc gridSpan="2">
+                  <a:txBody>
+                    <a:bodyPr/>
+                    <a:lstStyle/>
+                    <a:p>
+                      <a:r>
+                        <a:rPr lang="en-US" sz="1000" dirty="0" smtClean="0"/>
+                        <a:t>Access</a:t>
+                      </a:r>
+                      <a:endParaRPr lang="ru-RU" sz="1000" dirty="0"/>
+                    </a:p>
+                  </a:txBody>
+                  <a:tcPr/>
+                </a:tc>
+                <a:tc hMerge="1">
+                  <a:txBody>
+                    <a:bodyPr/>
+                    <a:lstStyle/>
+                    <a:p>
+                      <a:endParaRPr lang="ru-RU" dirty="0"/>
+                    </a:p>
+                  </a:txBody>
+                  <a:tcPr/>
+                </a:tc>
+                <a:extLst>
+                  <a:ext uri="{0D108BD9-81ED-4DB2-BD59-A6C34878D82A}">
+                    <a16:rowId xmlns:a16="http://schemas.microsoft.com/office/drawing/2014/main" val="3155947702"/>
+                  </a:ext>
+                </a:extLst>
+              </a:tr>
+              <a:tr h="213360">
+                <a:tc>
+                  <a:txBody>
+                    <a:bodyPr/>
+                    <a:lstStyle/>
+                    <a:p>
+                      <a:r>
+                        <a:rPr lang="en-US" sz="1000" dirty="0" err="1" smtClean="0"/>
+                        <a:t>Access_ID</a:t>
+                      </a:r>
+                      <a:endParaRPr lang="ru-RU" sz="1000" dirty="0"/>
+                    </a:p>
+                  </a:txBody>
+                  <a:tcPr/>
+                </a:tc>
+                <a:tc>
+                  <a:txBody>
+                    <a:bodyPr/>
+                    <a:lstStyle/>
+                    <a:p>
+                      <a:r>
+                        <a:rPr lang="en-US" sz="1000" dirty="0" smtClean="0"/>
+                        <a:t>Integer</a:t>
+                      </a:r>
+                      <a:endParaRPr lang="ru-RU" sz="1000" dirty="0"/>
+                    </a:p>
+                  </a:txBody>
+                  <a:tcPr/>
+                </a:tc>
+                <a:extLst>
+                  <a:ext uri="{0D108BD9-81ED-4DB2-BD59-A6C34878D82A}">
+                    <a16:rowId xmlns:a16="http://schemas.microsoft.com/office/drawing/2014/main" val="1056043661"/>
+                  </a:ext>
+                </a:extLst>
+              </a:tr>
+              <a:tr h="213360">
+                <a:tc>
+                  <a:txBody>
+                    <a:bodyPr/>
+                    <a:lstStyle/>
+                    <a:p>
+                      <a:r>
+                        <a:rPr lang="en-US" sz="1000" dirty="0" err="1" smtClean="0"/>
+                        <a:t>Role_ID</a:t>
+                      </a:r>
+                      <a:endParaRPr lang="ru-RU" sz="1000" dirty="0"/>
+                    </a:p>
+                  </a:txBody>
+                  <a:tcPr/>
+                </a:tc>
+                <a:tc>
+                  <a:txBody>
+                    <a:bodyPr/>
+                    <a:lstStyle/>
+                    <a:p>
+                      <a:r>
+                        <a:rPr lang="en-US" sz="1000" dirty="0" smtClean="0"/>
+                        <a:t>Integer</a:t>
+                      </a:r>
+                      <a:endParaRPr lang="ru-RU" sz="1000" dirty="0"/>
+                    </a:p>
+                  </a:txBody>
+                  <a:tcPr/>
+                </a:tc>
+                <a:extLst>
+                  <a:ext uri="{0D108BD9-81ED-4DB2-BD59-A6C34878D82A}">
+                    <a16:rowId xmlns:a16="http://schemas.microsoft.com/office/drawing/2014/main" val="1091595685"/>
+                  </a:ext>
+                </a:extLst>
+              </a:tr>
+              <a:tr h="213360">
+                <a:tc>
+                  <a:txBody>
+                    <a:bodyPr/>
+                    <a:lstStyle/>
+                    <a:p>
+                      <a:r>
+                        <a:rPr lang="en-US" sz="1000" dirty="0" err="1" smtClean="0"/>
+                        <a:t>Object_name</a:t>
+                      </a:r>
+                      <a:endParaRPr lang="ru-RU" sz="1000" dirty="0"/>
+                    </a:p>
+                  </a:txBody>
+                  <a:tcPr/>
+                </a:tc>
+                <a:tc>
+                  <a:txBody>
+                    <a:bodyPr/>
+                    <a:lstStyle/>
+                    <a:p>
+                      <a:r>
+                        <a:rPr lang="en-US" sz="1000" dirty="0" smtClean="0"/>
+                        <a:t>Varchar2(100)</a:t>
+                      </a:r>
+                      <a:endParaRPr lang="ru-RU" sz="1000" dirty="0"/>
+                    </a:p>
+                  </a:txBody>
+                  <a:tcPr/>
+                </a:tc>
+                <a:extLst>
+                  <a:ext uri="{0D108BD9-81ED-4DB2-BD59-A6C34878D82A}">
+                    <a16:rowId xmlns:a16="http://schemas.microsoft.com/office/drawing/2014/main" val="137951564"/>
+                  </a:ext>
+                </a:extLst>
+              </a:tr>
+              <a:tr h="213360">
+                <a:tc>
+                  <a:txBody>
+                    <a:bodyPr/>
+                    <a:lstStyle/>
+                    <a:p>
+                      <a:r>
+                        <a:rPr lang="en-US" sz="1000" dirty="0" err="1" smtClean="0"/>
+                        <a:t>all_get</a:t>
+                      </a:r>
+                      <a:endParaRPr lang="ru-RU" sz="1000" dirty="0"/>
+                    </a:p>
+                  </a:txBody>
+                  <a:tcPr/>
+                </a:tc>
+                <a:tc>
+                  <a:txBody>
+                    <a:bodyPr/>
+                    <a:lstStyle/>
+                    <a:p>
+                      <a:r>
+                        <a:rPr lang="en-US" sz="1000" dirty="0" smtClean="0"/>
+                        <a:t>Boolean</a:t>
+                      </a:r>
+                      <a:endParaRPr lang="ru-RU" sz="1000" dirty="0"/>
+                    </a:p>
+                  </a:txBody>
+                  <a:tcPr/>
+                </a:tc>
+                <a:extLst>
+                  <a:ext uri="{0D108BD9-81ED-4DB2-BD59-A6C34878D82A}">
+                    <a16:rowId xmlns:a16="http://schemas.microsoft.com/office/drawing/2014/main" val="3332458282"/>
+                  </a:ext>
+                </a:extLst>
+              </a:tr>
+              <a:tr h="213360">
+                <a:tc>
+                  <a:txBody>
+                    <a:bodyPr/>
+                    <a:lstStyle/>
+                    <a:p>
+                      <a:r>
+                        <a:rPr lang="en-US" sz="1000" dirty="0" err="1" smtClean="0"/>
+                        <a:t>all_put</a:t>
+                      </a:r>
+                      <a:endParaRPr lang="ru-RU" sz="1000" dirty="0"/>
+                    </a:p>
+                  </a:txBody>
+                  <a:tcPr/>
+                </a:tc>
+                <a:tc>
+                  <a:txBody>
+                    <a:bodyPr/>
+                    <a:lstStyle/>
+                    <a:p>
+                      <a:pPr marL="0" marR="0" lvl="0" indent="0" algn="l" defTabSz="914400" rtl="0" eaLnBrk="1" fontAlgn="auto" latinLnBrk="0" hangingPunct="1">
+                        <a:lnSpc>
+                          <a:spcPct val="100000"/>
+                        </a:lnSpc>
+                        <a:spcBef>
+                          <a:spcPts val="0"/>
+                        </a:spcBef>
+                        <a:spcAft>
+                          <a:spcPts val="0"/>
+                        </a:spcAft>
+                        <a:buClrTx/>
+                        <a:buSzTx/>
+                        <a:buFontTx/>
+                        <a:buNone/>
+                        <a:tabLst/>
+                        <a:defRPr/>
+                      </a:pPr>
+                      <a:r>
+                        <a:rPr lang="en-US" sz="1000" dirty="0" smtClean="0"/>
+                        <a:t>Boolean</a:t>
+                      </a:r>
+                      <a:endParaRPr lang="ru-RU" sz="1000" dirty="0" smtClean="0"/>
+                    </a:p>
+                  </a:txBody>
+                  <a:tcPr/>
+                </a:tc>
+                <a:extLst>
+                  <a:ext uri="{0D108BD9-81ED-4DB2-BD59-A6C34878D82A}">
+                    <a16:rowId xmlns:a16="http://schemas.microsoft.com/office/drawing/2014/main" val="1088799177"/>
+                  </a:ext>
+                </a:extLst>
+              </a:tr>
+              <a:tr h="213360">
+                <a:tc>
+                  <a:txBody>
+                    <a:bodyPr/>
+                    <a:lstStyle/>
+                    <a:p>
+                      <a:r>
+                        <a:rPr lang="en-US" sz="1000" dirty="0" err="1" smtClean="0"/>
+                        <a:t>all_post</a:t>
+                      </a:r>
+                      <a:endParaRPr lang="ru-RU" sz="1000" dirty="0"/>
+                    </a:p>
+                  </a:txBody>
+                  <a:tcPr/>
+                </a:tc>
+                <a:tc>
+                  <a:txBody>
+                    <a:bodyPr/>
+                    <a:lstStyle/>
+                    <a:p>
+                      <a:r>
+                        <a:rPr lang="en-US" sz="1000" dirty="0" smtClean="0"/>
+                        <a:t>Boolean</a:t>
+                      </a:r>
+                      <a:endParaRPr lang="ru-RU" sz="1000" dirty="0"/>
+                    </a:p>
+                  </a:txBody>
+                  <a:tcPr/>
+                </a:tc>
+                <a:extLst>
+                  <a:ext uri="{0D108BD9-81ED-4DB2-BD59-A6C34878D82A}">
+                    <a16:rowId xmlns:a16="http://schemas.microsoft.com/office/drawing/2014/main" val="3178837907"/>
+                  </a:ext>
+                </a:extLst>
+              </a:tr>
+              <a:tr h="213360">
+                <a:tc>
+                  <a:txBody>
+                    <a:bodyPr/>
+                    <a:lstStyle/>
+                    <a:p>
+                      <a:r>
+                        <a:rPr lang="en-US" sz="1000" dirty="0" err="1" smtClean="0"/>
+                        <a:t>all_delete</a:t>
+                      </a:r>
+                      <a:endParaRPr lang="ru-RU" sz="1000" dirty="0"/>
+                    </a:p>
+                  </a:txBody>
+                  <a:tcPr/>
+                </a:tc>
+                <a:tc>
+                  <a:txBody>
+                    <a:bodyPr/>
+                    <a:lstStyle/>
+                    <a:p>
+                      <a:r>
+                        <a:rPr lang="en-US" sz="1000" dirty="0" smtClean="0"/>
+                        <a:t>Boolean</a:t>
+                      </a:r>
+                      <a:endParaRPr lang="ru-RU" sz="1000" dirty="0"/>
+                    </a:p>
+                  </a:txBody>
+                  <a:tcPr/>
+                </a:tc>
+                <a:extLst>
+                  <a:ext uri="{0D108BD9-81ED-4DB2-BD59-A6C34878D82A}">
+                    <a16:rowId xmlns:a16="http://schemas.microsoft.com/office/drawing/2014/main" val="2423803"/>
+                  </a:ext>
+                </a:extLst>
+              </a:tr>
+              <a:tr h="213360">
+                <a:tc>
+                  <a:txBody>
+                    <a:bodyPr/>
+                    <a:lstStyle/>
+                    <a:p>
+                      <a:r>
+                        <a:rPr lang="en-US" sz="1000" dirty="0" err="1" smtClean="0"/>
+                        <a:t>own_get</a:t>
+                      </a:r>
+                      <a:endParaRPr lang="ru-RU" sz="1000" dirty="0"/>
+                    </a:p>
+                  </a:txBody>
+                  <a:tcPr/>
+                </a:tc>
+                <a:tc>
+                  <a:txBody>
+                    <a:bodyPr/>
+                    <a:lstStyle/>
+                    <a:p>
+                      <a:r>
+                        <a:rPr lang="en-US" sz="1000" dirty="0" smtClean="0"/>
+                        <a:t>Boolean</a:t>
+                      </a:r>
+                      <a:endParaRPr lang="ru-RU" sz="1000" dirty="0"/>
+                    </a:p>
+                  </a:txBody>
+                  <a:tcPr/>
+                </a:tc>
+                <a:extLst>
+                  <a:ext uri="{0D108BD9-81ED-4DB2-BD59-A6C34878D82A}">
+                    <a16:rowId xmlns:a16="http://schemas.microsoft.com/office/drawing/2014/main" val="2736849663"/>
+                  </a:ext>
+                </a:extLst>
+              </a:tr>
+              <a:tr h="213360">
+                <a:tc>
+                  <a:txBody>
+                    <a:bodyPr/>
+                    <a:lstStyle/>
+                    <a:p>
+                      <a:r>
+                        <a:rPr lang="en-US" sz="1000" dirty="0" err="1" smtClean="0"/>
+                        <a:t>own_put</a:t>
+                      </a:r>
+                      <a:endParaRPr lang="ru-RU" sz="1000" dirty="0"/>
+                    </a:p>
+                  </a:txBody>
+                  <a:tcPr/>
+                </a:tc>
+                <a:tc>
+                  <a:txBody>
+                    <a:bodyPr/>
+                    <a:lstStyle/>
+                    <a:p>
+                      <a:pPr marL="0" marR="0" lvl="0" indent="0" algn="l" defTabSz="914400" rtl="0" eaLnBrk="1" fontAlgn="auto" latinLnBrk="0" hangingPunct="1">
+                        <a:lnSpc>
+                          <a:spcPct val="100000"/>
+                        </a:lnSpc>
+                        <a:spcBef>
+                          <a:spcPts val="0"/>
+                        </a:spcBef>
+                        <a:spcAft>
+                          <a:spcPts val="0"/>
+                        </a:spcAft>
+                        <a:buClrTx/>
+                        <a:buSzTx/>
+                        <a:buFontTx/>
+                        <a:buNone/>
+                        <a:tabLst/>
+                        <a:defRPr/>
+                      </a:pPr>
+                      <a:r>
+                        <a:rPr lang="en-US" sz="1000" dirty="0" smtClean="0"/>
+                        <a:t>Boolean</a:t>
+                      </a:r>
+                      <a:endParaRPr lang="ru-RU" sz="1000" dirty="0" smtClean="0"/>
+                    </a:p>
+                  </a:txBody>
+                  <a:tcPr/>
+                </a:tc>
+                <a:extLst>
+                  <a:ext uri="{0D108BD9-81ED-4DB2-BD59-A6C34878D82A}">
+                    <a16:rowId xmlns:a16="http://schemas.microsoft.com/office/drawing/2014/main" val="2674845028"/>
+                  </a:ext>
+                </a:extLst>
+              </a:tr>
+              <a:tr h="213360">
+                <a:tc>
+                  <a:txBody>
+                    <a:bodyPr/>
+                    <a:lstStyle/>
+                    <a:p>
+                      <a:r>
+                        <a:rPr lang="en-US" sz="1000" dirty="0" err="1" smtClean="0"/>
+                        <a:t>own_post</a:t>
+                      </a:r>
+                      <a:endParaRPr lang="ru-RU" sz="1000" dirty="0"/>
+                    </a:p>
+                  </a:txBody>
+                  <a:tcPr/>
+                </a:tc>
+                <a:tc>
+                  <a:txBody>
+                    <a:bodyPr/>
+                    <a:lstStyle/>
+                    <a:p>
+                      <a:r>
+                        <a:rPr lang="en-US" sz="1000" dirty="0" smtClean="0"/>
+                        <a:t>Boolean</a:t>
+                      </a:r>
+                      <a:endParaRPr lang="ru-RU" sz="1000" dirty="0"/>
+                    </a:p>
+                  </a:txBody>
+                  <a:tcPr/>
+                </a:tc>
+                <a:extLst>
+                  <a:ext uri="{0D108BD9-81ED-4DB2-BD59-A6C34878D82A}">
+                    <a16:rowId xmlns:a16="http://schemas.microsoft.com/office/drawing/2014/main" val="1188075284"/>
+                  </a:ext>
+                </a:extLst>
+              </a:tr>
+              <a:tr h="213360">
+                <a:tc>
+                  <a:txBody>
+                    <a:bodyPr/>
+                    <a:lstStyle/>
+                    <a:p>
+                      <a:r>
+                        <a:rPr lang="en-US" sz="1000" dirty="0" err="1" smtClean="0"/>
+                        <a:t>own_delete</a:t>
+                      </a:r>
+                      <a:endParaRPr lang="ru-RU" sz="1000" dirty="0"/>
+                    </a:p>
+                  </a:txBody>
+                  <a:tcPr/>
+                </a:tc>
+                <a:tc>
+                  <a:txBody>
+                    <a:bodyPr/>
+                    <a:lstStyle/>
+                    <a:p>
+                      <a:r>
+                        <a:rPr lang="en-US" sz="1000" dirty="0" smtClean="0"/>
+                        <a:t>Boolean</a:t>
+                      </a:r>
+                      <a:endParaRPr lang="ru-RU" sz="1000" dirty="0"/>
+                    </a:p>
+                  </a:txBody>
+                  <a:tcPr/>
+                </a:tc>
+                <a:extLst>
+                  <a:ext uri="{0D108BD9-81ED-4DB2-BD59-A6C34878D82A}">
+                    <a16:rowId xmlns:a16="http://schemas.microsoft.com/office/drawing/2014/main" val="2398740283"/>
+                  </a:ext>
+                </a:extLst>
+              </a:tr>
+            </a:tbl>
+          </a:graphicData>
+        </a:graphic>
+      </p:graphicFrame>
+      <p:graphicFrame>
+        <p:nvGraphicFramePr>
+          <p:cNvPr id="13" name="Table 12"/>
+          <p:cNvGraphicFramePr>
+            <a:graphicFrameLocks noGrp="1"/>
+          </p:cNvGraphicFramePr>
+          <p:nvPr>
+            <p:extLst>
+              <p:ext uri="{D42A27DB-BD31-4B8C-83A1-F6EECF244321}">
+                <p14:modId xmlns:p14="http://schemas.microsoft.com/office/powerpoint/2010/main" val="1842036203"/>
+              </p:ext>
+            </p:extLst>
+          </p:nvPr>
+        </p:nvGraphicFramePr>
+        <p:xfrm>
+          <a:off x="7891006" y="5570710"/>
+          <a:ext cx="1891394" cy="975360"/>
+        </p:xfrm>
+        <a:graphic>
+          <a:graphicData uri="http://schemas.openxmlformats.org/drawingml/2006/table">
+            <a:tbl>
+              <a:tblPr firstRow="1" bandRow="1">
+                <a:tableStyleId>{5C22544A-7EE6-4342-B048-85BDC9FD1C3A}</a:tableStyleId>
+              </a:tblPr>
+              <a:tblGrid>
+                <a:gridCol w="852783">
+                  <a:extLst>
+                    <a:ext uri="{9D8B030D-6E8A-4147-A177-3AD203B41FA5}">
+                      <a16:colId xmlns:a16="http://schemas.microsoft.com/office/drawing/2014/main" val="1143156314"/>
+                    </a:ext>
+                  </a:extLst>
+                </a:gridCol>
+                <a:gridCol w="1038611">
+                  <a:extLst>
+                    <a:ext uri="{9D8B030D-6E8A-4147-A177-3AD203B41FA5}">
+                      <a16:colId xmlns:a16="http://schemas.microsoft.com/office/drawing/2014/main" val="3559744233"/>
+                    </a:ext>
+                  </a:extLst>
+                </a:gridCol>
+              </a:tblGrid>
+              <a:tr h="190943">
+                <a:tc gridSpan="2">
+                  <a:txBody>
+                    <a:bodyPr/>
+                    <a:lstStyle/>
+                    <a:p>
+                      <a:r>
+                        <a:rPr lang="en-US" sz="1000" dirty="0" smtClean="0"/>
+                        <a:t>Role</a:t>
+                      </a:r>
+                      <a:endParaRPr lang="ru-RU" sz="1000" dirty="0"/>
+                    </a:p>
+                  </a:txBody>
+                  <a:tcPr/>
+                </a:tc>
+                <a:tc hMerge="1">
+                  <a:txBody>
+                    <a:bodyPr/>
+                    <a:lstStyle/>
+                    <a:p>
+                      <a:endParaRPr lang="ru-RU" dirty="0"/>
+                    </a:p>
+                  </a:txBody>
+                  <a:tcPr/>
+                </a:tc>
+                <a:extLst>
+                  <a:ext uri="{0D108BD9-81ED-4DB2-BD59-A6C34878D82A}">
+                    <a16:rowId xmlns:a16="http://schemas.microsoft.com/office/drawing/2014/main" val="3155947702"/>
+                  </a:ext>
+                </a:extLst>
+              </a:tr>
+              <a:tr h="190943">
+                <a:tc>
+                  <a:txBody>
+                    <a:bodyPr/>
+                    <a:lstStyle/>
+                    <a:p>
+                      <a:r>
+                        <a:rPr lang="en-US" sz="1000" dirty="0" err="1" smtClean="0"/>
+                        <a:t>Role_ID</a:t>
+                      </a:r>
+                      <a:endParaRPr lang="ru-RU" sz="1000" dirty="0"/>
+                    </a:p>
+                  </a:txBody>
+                  <a:tcPr/>
+                </a:tc>
+                <a:tc>
+                  <a:txBody>
+                    <a:bodyPr/>
+                    <a:lstStyle/>
+                    <a:p>
+                      <a:r>
+                        <a:rPr lang="en-US" sz="1000" dirty="0" smtClean="0"/>
+                        <a:t>Integer</a:t>
+                      </a:r>
+                      <a:endParaRPr lang="ru-RU" sz="1000" dirty="0"/>
+                    </a:p>
+                  </a:txBody>
+                  <a:tcPr/>
+                </a:tc>
+                <a:extLst>
+                  <a:ext uri="{0D108BD9-81ED-4DB2-BD59-A6C34878D82A}">
+                    <a16:rowId xmlns:a16="http://schemas.microsoft.com/office/drawing/2014/main" val="1056043661"/>
+                  </a:ext>
+                </a:extLst>
+              </a:tr>
+              <a:tr h="190943">
+                <a:tc>
+                  <a:txBody>
+                    <a:bodyPr/>
+                    <a:lstStyle/>
+                    <a:p>
+                      <a:r>
+                        <a:rPr lang="en-US" sz="1000" dirty="0" smtClean="0"/>
+                        <a:t>Name</a:t>
+                      </a:r>
+                      <a:endParaRPr lang="ru-RU" sz="1000" dirty="0"/>
+                    </a:p>
+                  </a:txBody>
+                  <a:tcPr/>
+                </a:tc>
+                <a:tc>
+                  <a:txBody>
+                    <a:bodyPr/>
+                    <a:lstStyle/>
+                    <a:p>
+                      <a:r>
+                        <a:rPr lang="en-US" sz="1000" dirty="0" smtClean="0"/>
+                        <a:t>Varchar2(1000)</a:t>
+                      </a:r>
+                      <a:endParaRPr lang="ru-RU" sz="1000" dirty="0"/>
+                    </a:p>
+                  </a:txBody>
+                  <a:tcPr/>
+                </a:tc>
+                <a:extLst>
+                  <a:ext uri="{0D108BD9-81ED-4DB2-BD59-A6C34878D82A}">
+                    <a16:rowId xmlns:a16="http://schemas.microsoft.com/office/drawing/2014/main" val="1091595685"/>
+                  </a:ext>
+                </a:extLst>
+              </a:tr>
+              <a:tr h="190943">
+                <a:tc>
+                  <a:txBody>
+                    <a:bodyPr/>
+                    <a:lstStyle/>
+                    <a:p>
+                      <a:r>
+                        <a:rPr lang="en-US" sz="1000" dirty="0" err="1" smtClean="0"/>
+                        <a:t>Owner_id</a:t>
+                      </a:r>
+                      <a:endParaRPr lang="ru-RU" sz="1000" dirty="0"/>
+                    </a:p>
+                  </a:txBody>
+                  <a:tcPr/>
+                </a:tc>
+                <a:tc>
+                  <a:txBody>
+                    <a:bodyPr/>
+                    <a:lstStyle/>
+                    <a:p>
+                      <a:r>
+                        <a:rPr lang="en-US" sz="1000" dirty="0" smtClean="0"/>
+                        <a:t>Integer</a:t>
+                      </a:r>
+                      <a:endParaRPr lang="ru-RU" sz="1000" dirty="0"/>
+                    </a:p>
+                  </a:txBody>
+                  <a:tcPr/>
+                </a:tc>
+                <a:extLst>
+                  <a:ext uri="{0D108BD9-81ED-4DB2-BD59-A6C34878D82A}">
+                    <a16:rowId xmlns:a16="http://schemas.microsoft.com/office/drawing/2014/main" val="4159773320"/>
                   </a:ext>
                 </a:extLst>
               </a:tr>
